--- a/ppttttt.pptx
+++ b/ppttttt.pptx
@@ -123,7 +123,7 @@
   </p:defaultTextStyle>
   <p:extLst>
     <p:ext uri="{EFAFB233-063F-42B5-8137-9DF3F51BA10A}">
-      <p15:sldGuideLst xmlns:p15="http://schemas.microsoft.com/office/powerpoint/2012/main" xmlns="">
+      <p15:sldGuideLst xmlns="" xmlns:p15="http://schemas.microsoft.com/office/powerpoint/2012/main">
         <p15:guide id="1" orient="horz" pos="2160">
           <p15:clr>
             <a:srgbClr val="A4A3A4"/>
@@ -137,7 +137,7 @@
       </p15:sldGuideLst>
     </p:ext>
     <p:ext uri="{2D200454-40CA-4A62-9FC3-DE9A4176ACB9}">
-      <p15:notesGuideLst xmlns:p15="http://schemas.microsoft.com/office/powerpoint/2012/main" xmlns=""/>
+      <p15:notesGuideLst xmlns="" xmlns:p15="http://schemas.microsoft.com/office/powerpoint/2012/main"/>
     </p:ext>
   </p:extLst>
 </p:presentation>
@@ -226,7 +226,7 @@
             <a:fld id="{3EFD42F7-718C-4B98-AAEC-167E6DDD60A7}" type="datetimeFigureOut">
               <a:rPr lang="en-US" smtClean="0"/>
               <a:pPr/>
-              <a:t>2/20/2024</a:t>
+              <a:t>2/23/2024</a:t>
             </a:fld>
             <a:endParaRPr lang="en-US"/>
           </a:p>
@@ -394,7 +394,7 @@
     </p:spTree>
     <p:extLst>
       <p:ext uri="{BB962C8B-B14F-4D97-AF65-F5344CB8AC3E}">
-        <p14:creationId xmlns:p14="http://schemas.microsoft.com/office/powerpoint/2010/main" xmlns="" val="3368110055"/>
+        <p14:creationId xmlns="" xmlns:p14="http://schemas.microsoft.com/office/powerpoint/2010/main" val="3368110055"/>
       </p:ext>
     </p:extLst>
   </p:cSld>
@@ -710,7 +710,7 @@
         </p:nvSpPr>
         <p:spPr bwMode="auto">
           <a:xfrm>
-            <a:off x="8140701" y="0"/>
+            <a:off x="8140700" y="0"/>
             <a:ext cx="4051300" cy="6858000"/>
           </a:xfrm>
           <a:custGeom>
@@ -896,7 +896,7 @@
         </p:nvSpPr>
         <p:spPr>
           <a:xfrm>
-            <a:off x="577400" y="1544812"/>
+            <a:off x="577401" y="1544813"/>
             <a:ext cx="8640064" cy="1752600"/>
           </a:xfrm>
         </p:spPr>
@@ -965,7 +965,8 @@
           <a:p>
             <a:fld id="{40486E55-A87A-4340-B432-3C1E472B2B5B}" type="datetime1">
               <a:rPr lang="en-US" smtClean="0"/>
-              <a:t>2/20/2024</a:t>
+              <a:pPr/>
+              <a:t>2/23/2024</a:t>
             </a:fld>
             <a:endParaRPr lang="en-US"/>
           </a:p>
@@ -1131,7 +1132,8 @@
           <a:p>
             <a:fld id="{0D058020-D743-4AC0-9B02-1DE213520320}" type="datetime1">
               <a:rPr lang="en-US" smtClean="0"/>
-              <a:t>2/20/2024</a:t>
+              <a:pPr/>
+              <a:t>2/23/2024</a:t>
             </a:fld>
             <a:endParaRPr lang="en-US"/>
           </a:p>
@@ -1217,7 +1219,7 @@
         </p:nvSpPr>
         <p:spPr>
           <a:xfrm>
-            <a:off x="8839200" y="274639"/>
+            <a:off x="8839200" y="274640"/>
             <a:ext cx="2743200" cy="5851525"/>
           </a:xfrm>
         </p:spPr>
@@ -1245,7 +1247,7 @@
         </p:nvSpPr>
         <p:spPr>
           <a:xfrm>
-            <a:off x="609600" y="274639"/>
+            <a:off x="609600" y="274640"/>
             <a:ext cx="8026400" cy="5851525"/>
           </a:xfrm>
         </p:spPr>
@@ -1307,7 +1309,8 @@
           <a:p>
             <a:fld id="{AD075861-5758-42A0-A7B7-2D6D02E13EF5}" type="datetime1">
               <a:rPr lang="en-US" smtClean="0"/>
-              <a:t>2/20/2024</a:t>
+              <a:pPr/>
+              <a:t>2/23/2024</a:t>
             </a:fld>
             <a:endParaRPr lang="en-US"/>
           </a:p>
@@ -1477,7 +1480,8 @@
           <a:p>
             <a:fld id="{17AB9C57-C54C-4F49-B5FF-74B123A2086E}" type="datetime1">
               <a:rPr lang="en-US" smtClean="0"/>
-              <a:t>2/20/2024</a:t>
+              <a:pPr/>
+              <a:t>2/23/2024</a:t>
             </a:fld>
             <a:endParaRPr lang="en-US"/>
           </a:p>
@@ -1663,7 +1667,7 @@
         </p:nvSpPr>
         <p:spPr bwMode="auto">
           <a:xfrm>
-            <a:off x="8140701" y="0"/>
+            <a:off x="8140700" y="0"/>
             <a:ext cx="4051300" cy="6858000"/>
           </a:xfrm>
           <a:custGeom>
@@ -1933,7 +1937,8 @@
           <a:p>
             <a:fld id="{868EE3E6-7ED7-4A73-A710-83F603B33524}" type="datetime1">
               <a:rPr lang="en-US" smtClean="0"/>
-              <a:t>2/20/2024</a:t>
+              <a:pPr/>
+              <a:t>2/23/2024</a:t>
             </a:fld>
             <a:endParaRPr lang="en-US"/>
           </a:p>
@@ -2047,7 +2052,7 @@
         </p:nvSpPr>
         <p:spPr>
           <a:xfrm>
-            <a:off x="609600" y="1600201"/>
+            <a:off x="609600" y="1600202"/>
             <a:ext cx="4876800" cy="4525963"/>
           </a:xfrm>
         </p:spPr>
@@ -2120,7 +2125,7 @@
         </p:nvSpPr>
         <p:spPr>
           <a:xfrm>
-            <a:off x="5689600" y="1600201"/>
+            <a:off x="5689600" y="1600202"/>
             <a:ext cx="4876800" cy="4525963"/>
           </a:xfrm>
         </p:spPr>
@@ -2198,7 +2203,8 @@
           <a:p>
             <a:fld id="{397650F6-92A8-44C0-AC1F-B2BB14689EAC}" type="datetime1">
               <a:rPr lang="en-US" smtClean="0"/>
-              <a:t>2/20/2024</a:t>
+              <a:pPr/>
+              <a:t>2/23/2024</a:t>
             </a:fld>
             <a:endParaRPr lang="en-US"/>
           </a:p>
@@ -2316,7 +2322,7 @@
         </p:nvSpPr>
         <p:spPr>
           <a:xfrm>
-            <a:off x="609600" y="5486400"/>
+            <a:off x="609601" y="5486400"/>
             <a:ext cx="5386917" cy="838200"/>
           </a:xfrm>
         </p:spPr>
@@ -2369,7 +2375,7 @@
         </p:nvSpPr>
         <p:spPr>
           <a:xfrm>
-            <a:off x="6193368" y="5486400"/>
+            <a:off x="6193370" y="5486400"/>
             <a:ext cx="5389033" cy="838200"/>
           </a:xfrm>
         </p:spPr>
@@ -2422,7 +2428,7 @@
         </p:nvSpPr>
         <p:spPr>
           <a:xfrm>
-            <a:off x="609600" y="1516912"/>
+            <a:off x="609601" y="1516913"/>
             <a:ext cx="5386917" cy="3941763"/>
           </a:xfrm>
         </p:spPr>
@@ -2495,7 +2501,7 @@
         </p:nvSpPr>
         <p:spPr>
           <a:xfrm>
-            <a:off x="6193368" y="1516912"/>
+            <a:off x="6193370" y="1516913"/>
             <a:ext cx="5389033" cy="3941763"/>
           </a:xfrm>
         </p:spPr>
@@ -2573,7 +2579,8 @@
           <a:p>
             <a:fld id="{82764013-2C77-4F62-8407-4013534F25BD}" type="datetime1">
               <a:rPr lang="en-US" smtClean="0"/>
-              <a:t>2/20/2024</a:t>
+              <a:pPr/>
+              <a:t>2/23/2024</a:t>
             </a:fld>
             <a:endParaRPr lang="en-US"/>
           </a:p>
@@ -2696,7 +2703,8 @@
           <a:p>
             <a:fld id="{669E8B4E-DB14-424E-A679-2B9257BACF7D}" type="datetime1">
               <a:rPr lang="en-US" smtClean="0"/>
-              <a:t>2/20/2024</a:t>
+              <a:pPr/>
+              <a:t>2/23/2024</a:t>
             </a:fld>
             <a:endParaRPr lang="en-US"/>
           </a:p>
@@ -2787,7 +2795,8 @@
           <a:p>
             <a:fld id="{32DB40C4-128E-4F2F-A9EA-1EF2615D998C}" type="datetime1">
               <a:rPr lang="en-US" smtClean="0"/>
-              <a:t>2/20/2024</a:t>
+              <a:pPr/>
+              <a:t>2/23/2024</a:t>
             </a:fld>
             <a:endParaRPr lang="en-US"/>
           </a:p>
@@ -2959,7 +2968,7 @@
         </p:nvSpPr>
         <p:spPr>
           <a:xfrm>
-            <a:off x="609600" y="1981200"/>
+            <a:off x="609600" y="1981201"/>
             <a:ext cx="9448800" cy="3810000"/>
           </a:xfrm>
         </p:spPr>
@@ -3037,7 +3046,8 @@
           <a:p>
             <a:fld id="{5614F7A0-1466-4573-A90D-FD21651DB667}" type="datetime1">
               <a:rPr lang="en-US" smtClean="0"/>
-              <a:t>2/20/2024</a:t>
+              <a:pPr/>
+              <a:t>2/23/2024</a:t>
             </a:fld>
             <a:endParaRPr lang="en-US"/>
           </a:p>
@@ -3074,7 +3084,7 @@
         </p:nvSpPr>
         <p:spPr>
           <a:xfrm>
-            <a:off x="10875264" y="6422065"/>
+            <a:off x="10875264" y="6422066"/>
             <a:ext cx="1016000" cy="365125"/>
           </a:xfrm>
         </p:spPr>
@@ -3128,7 +3138,7 @@
         </p:nvSpPr>
         <p:spPr>
           <a:xfrm>
-            <a:off x="7408976" y="1705709"/>
+            <a:off x="7408977" y="1705709"/>
             <a:ext cx="4071824" cy="1253808"/>
           </a:xfrm>
         </p:spPr>
@@ -3233,8 +3243,8 @@
         </p:nvSpPr>
         <p:spPr>
           <a:xfrm>
-            <a:off x="7408979" y="2998765"/>
-            <a:ext cx="4071821" cy="2663482"/>
+            <a:off x="7408981" y="2998765"/>
+            <a:ext cx="4071820" cy="2663482"/>
           </a:xfrm>
         </p:spPr>
         <p:txBody>
@@ -3287,7 +3297,7 @@
         </p:nvSpPr>
         <p:spPr>
           <a:xfrm>
-            <a:off x="609600" y="6422065"/>
+            <a:off x="609600" y="6422066"/>
             <a:ext cx="2844800" cy="365125"/>
           </a:xfrm>
         </p:spPr>
@@ -3297,7 +3307,8 @@
           <a:p>
             <a:fld id="{268788FE-CBFB-43E1-BB77-CDA7B3B7A682}" type="datetime1">
               <a:rPr lang="en-US" smtClean="0"/>
-              <a:t>2/20/2024</a:t>
+              <a:pPr/>
+              <a:t>2/23/2024</a:t>
             </a:fld>
             <a:endParaRPr lang="en-US"/>
           </a:p>
@@ -3617,7 +3628,7 @@
         </p:nvSpPr>
         <p:spPr>
           <a:xfrm>
-            <a:off x="609600" y="1600201"/>
+            <a:off x="609600" y="1600202"/>
             <a:ext cx="9956800" cy="4525963"/>
           </a:xfrm>
           <a:prstGeom prst="rect">
@@ -3679,7 +3690,7 @@
         </p:nvSpPr>
         <p:spPr>
           <a:xfrm>
-            <a:off x="609600" y="6422065"/>
+            <a:off x="609600" y="6422066"/>
             <a:ext cx="2844800" cy="365125"/>
           </a:xfrm>
           <a:prstGeom prst="rect">
@@ -3702,7 +3713,8 @@
           <a:p>
             <a:fld id="{8E16965F-086D-4B76-BCA2-73829EFBA31A}" type="datetime1">
               <a:rPr lang="en-US" smtClean="0"/>
-              <a:t>2/20/2024</a:t>
+              <a:pPr/>
+              <a:t>2/23/2024</a:t>
             </a:fld>
             <a:endParaRPr lang="en-US"/>
           </a:p>
@@ -3720,7 +3732,7 @@
         </p:nvSpPr>
         <p:spPr>
           <a:xfrm>
-            <a:off x="4165600" y="6422065"/>
+            <a:off x="4165600" y="6422066"/>
             <a:ext cx="3860800" cy="365125"/>
           </a:xfrm>
           <a:prstGeom prst="rect">
@@ -3757,7 +3769,7 @@
         </p:nvSpPr>
         <p:spPr>
           <a:xfrm>
-            <a:off x="10871200" y="6422065"/>
+            <a:off x="10871200" y="6422066"/>
             <a:ext cx="1016000" cy="365125"/>
           </a:xfrm>
           <a:prstGeom prst="rect">
@@ -4116,7 +4128,7 @@
         </p:nvSpPr>
         <p:spPr>
           <a:xfrm>
-            <a:off x="957532" y="2346385"/>
+            <a:off x="957532" y="2346386"/>
             <a:ext cx="8384875" cy="1811547"/>
           </a:xfrm>
         </p:spPr>
@@ -4145,12 +4157,14 @@
         </p:nvSpPr>
         <p:spPr>
           <a:xfrm>
-            <a:off x="6323162" y="3381555"/>
-            <a:ext cx="1708031" cy="474453"/>
-          </a:xfrm>
-        </p:spPr>
-        <p:txBody>
-          <a:bodyPr/>
+            <a:off x="6323164" y="3381555"/>
+            <a:ext cx="1708030" cy="474453"/>
+          </a:xfrm>
+        </p:spPr>
+        <p:txBody>
+          <a:bodyPr>
+            <a:normAutofit/>
+          </a:bodyPr>
           <a:lstStyle/>
           <a:p>
             <a:pPr algn="ctr"/>
@@ -4171,6 +4185,16 @@
   <p:clrMapOvr>
     <a:masterClrMapping/>
   </p:clrMapOvr>
+  <p:transition>
+    <p:cover dir="rd"/>
+  </p:transition>
+  <p:timing>
+    <p:tnLst>
+      <p:par>
+        <p:cTn id="1" dur="indefinite" restart="never" nodeType="tmRoot"/>
+      </p:par>
+    </p:tnLst>
+  </p:timing>
 </p:sld>
 </file>
 
@@ -4203,7 +4227,7 @@
         </p:nvSpPr>
         <p:spPr>
           <a:xfrm>
-            <a:off x="838200" y="128905"/>
+            <a:off x="838202" y="128905"/>
             <a:ext cx="10515600" cy="795020"/>
           </a:xfrm>
         </p:spPr>
@@ -4233,7 +4257,7 @@
         </p:nvSpPr>
         <p:spPr>
           <a:xfrm>
-            <a:off x="838200" y="923927"/>
+            <a:off x="838202" y="923928"/>
             <a:ext cx="10515600" cy="5128895"/>
           </a:xfrm>
         </p:spPr>
@@ -4280,8 +4304,8 @@
         </p:nvSpPr>
         <p:spPr>
           <a:xfrm>
-            <a:off x="483080" y="793630"/>
-            <a:ext cx="11076317" cy="5540418"/>
+            <a:off x="483081" y="793630"/>
+            <a:ext cx="11076316" cy="5540418"/>
           </a:xfrm>
         </p:spPr>
         <p:txBody>
@@ -4354,7 +4378,7 @@
         </p:blipFill>
         <p:spPr>
           <a:xfrm>
-            <a:off x="2409174" y="3107594"/>
+            <a:off x="2409175" y="3107594"/>
             <a:ext cx="6381159" cy="2051002"/>
           </a:xfrm>
           <a:prstGeom prst="rect">
@@ -4365,13 +4389,23 @@
     </p:spTree>
     <p:extLst>
       <p:ext uri="{BB962C8B-B14F-4D97-AF65-F5344CB8AC3E}">
-        <p14:creationId xmlns:p14="http://schemas.microsoft.com/office/powerpoint/2010/main" xmlns="" val="2407058317"/>
+        <p14:creationId xmlns="" xmlns:p14="http://schemas.microsoft.com/office/powerpoint/2010/main" val="2407058317"/>
       </p:ext>
     </p:extLst>
   </p:cSld>
   <p:clrMapOvr>
     <a:masterClrMapping/>
   </p:clrMapOvr>
+  <p:transition>
+    <p:comb/>
+  </p:transition>
+  <p:timing>
+    <p:tnLst>
+      <p:par>
+        <p:cTn id="1" dur="indefinite" restart="never" nodeType="tmRoot"/>
+      </p:par>
+    </p:tnLst>
+  </p:timing>
 </p:sld>
 </file>
 
@@ -4404,7 +4438,7 @@
         </p:nvSpPr>
         <p:spPr>
           <a:xfrm>
-            <a:off x="685835" y="0"/>
+            <a:off x="685836" y="0"/>
             <a:ext cx="10515600" cy="761148"/>
           </a:xfrm>
         </p:spPr>
@@ -4431,8 +4465,8 @@
         </p:nvSpPr>
         <p:spPr>
           <a:xfrm>
-            <a:off x="422697" y="681488"/>
-            <a:ext cx="11326483" cy="5632968"/>
+            <a:off x="422698" y="681488"/>
+            <a:ext cx="11326484" cy="5632968"/>
           </a:xfrm>
         </p:spPr>
         <p:txBody>
@@ -4493,7 +4527,7 @@
         </p:blipFill>
         <p:spPr>
           <a:xfrm>
-            <a:off x="2633449" y="3360107"/>
+            <a:off x="2633450" y="3360108"/>
             <a:ext cx="6346651" cy="2885441"/>
           </a:xfrm>
           <a:prstGeom prst="rect">
@@ -4506,6 +4540,16 @@
   <p:clrMapOvr>
     <a:masterClrMapping/>
   </p:clrMapOvr>
+  <p:transition>
+    <p:wedge/>
+  </p:transition>
+  <p:timing>
+    <p:tnLst>
+      <p:par>
+        <p:cTn id="1" dur="indefinite" restart="never" nodeType="tmRoot"/>
+      </p:par>
+    </p:tnLst>
+  </p:timing>
 </p:sld>
 </file>
 
@@ -4538,7 +4582,7 @@
         </p:nvSpPr>
         <p:spPr>
           <a:xfrm>
-            <a:off x="685835" y="0"/>
+            <a:off x="685836" y="0"/>
             <a:ext cx="10515600" cy="761148"/>
           </a:xfrm>
         </p:spPr>
@@ -4565,8 +4609,8 @@
         </p:nvSpPr>
         <p:spPr>
           <a:xfrm>
-            <a:off x="422697" y="681488"/>
-            <a:ext cx="11326483" cy="5632968"/>
+            <a:off x="422698" y="681488"/>
+            <a:ext cx="11326484" cy="5632968"/>
           </a:xfrm>
         </p:spPr>
         <p:txBody>
@@ -4653,8 +4697,8 @@
         </p:blipFill>
         <p:spPr>
           <a:xfrm>
-            <a:off x="2374655" y="3179276"/>
-            <a:ext cx="6450168" cy="2609048"/>
+            <a:off x="2374654" y="3179276"/>
+            <a:ext cx="6450169" cy="2609048"/>
           </a:xfrm>
           <a:prstGeom prst="rect">
             <a:avLst/>
@@ -4664,13 +4708,23 @@
     </p:spTree>
     <p:extLst>
       <p:ext uri="{BB962C8B-B14F-4D97-AF65-F5344CB8AC3E}">
-        <p14:creationId xmlns:p14="http://schemas.microsoft.com/office/powerpoint/2010/main" xmlns="" val="3549627555"/>
+        <p14:creationId xmlns="" xmlns:p14="http://schemas.microsoft.com/office/powerpoint/2010/main" val="3549627555"/>
       </p:ext>
     </p:extLst>
   </p:cSld>
   <p:clrMapOvr>
     <a:masterClrMapping/>
   </p:clrMapOvr>
+  <p:transition>
+    <p:dissolve/>
+  </p:transition>
+  <p:timing>
+    <p:tnLst>
+      <p:par>
+        <p:cTn id="1" dur="indefinite" restart="never" nodeType="tmRoot"/>
+      </p:par>
+    </p:tnLst>
+  </p:timing>
 </p:sld>
 </file>
 
@@ -4703,7 +4757,7 @@
         </p:nvSpPr>
         <p:spPr>
           <a:xfrm>
-            <a:off x="838200" y="128905"/>
+            <a:off x="838202" y="128905"/>
             <a:ext cx="10515600" cy="795020"/>
           </a:xfrm>
         </p:spPr>
@@ -4733,7 +4787,7 @@
         </p:nvSpPr>
         <p:spPr>
           <a:xfrm>
-            <a:off x="345688" y="923927"/>
+            <a:off x="345690" y="923928"/>
             <a:ext cx="11008112" cy="5128895"/>
           </a:xfrm>
         </p:spPr>
@@ -4781,7 +4835,7 @@
         </p:nvSpPr>
         <p:spPr>
           <a:xfrm>
-            <a:off x="434913" y="1659891"/>
+            <a:off x="434915" y="1659891"/>
             <a:ext cx="10918903" cy="4663007"/>
           </a:xfrm>
         </p:spPr>
@@ -4887,6 +4941,16 @@
   <p:clrMapOvr>
     <a:masterClrMapping/>
   </p:clrMapOvr>
+  <p:transition>
+    <p:randomBar/>
+  </p:transition>
+  <p:timing>
+    <p:tnLst>
+      <p:par>
+        <p:cTn id="1" dur="indefinite" restart="never" nodeType="tmRoot"/>
+      </p:par>
+    </p:tnLst>
+  </p:timing>
 </p:sld>
 </file>
 
@@ -4919,7 +4983,7 @@
         </p:nvSpPr>
         <p:spPr>
           <a:xfrm>
-            <a:off x="838200" y="128905"/>
+            <a:off x="838202" y="128905"/>
             <a:ext cx="10515600" cy="795020"/>
           </a:xfrm>
         </p:spPr>
@@ -4949,7 +5013,7 @@
         </p:nvSpPr>
         <p:spPr>
           <a:xfrm>
-            <a:off x="392151" y="946229"/>
+            <a:off x="392152" y="946229"/>
             <a:ext cx="10515600" cy="3893402"/>
           </a:xfrm>
         </p:spPr>
@@ -5060,6 +5124,16 @@
   <p:clrMapOvr>
     <a:masterClrMapping/>
   </p:clrMapOvr>
+  <p:transition>
+    <p:randomBar dir="vert"/>
+  </p:transition>
+  <p:timing>
+    <p:tnLst>
+      <p:par>
+        <p:cTn id="1" dur="indefinite" restart="never" nodeType="tmRoot"/>
+      </p:par>
+    </p:tnLst>
+  </p:timing>
 </p:sld>
 </file>
 
@@ -5092,7 +5166,7 @@
         </p:nvSpPr>
         <p:spPr>
           <a:xfrm>
-            <a:off x="838200" y="128905"/>
+            <a:off x="838202" y="128905"/>
             <a:ext cx="10515600" cy="795020"/>
           </a:xfrm>
         </p:spPr>
@@ -5122,7 +5196,7 @@
         </p:nvSpPr>
         <p:spPr>
           <a:xfrm>
-            <a:off x="345688" y="923927"/>
+            <a:off x="345690" y="923928"/>
             <a:ext cx="11008112" cy="5128895"/>
           </a:xfrm>
         </p:spPr>
@@ -5162,7 +5236,7 @@
         </p:nvSpPr>
         <p:spPr>
           <a:xfrm>
-            <a:off x="434913" y="1659891"/>
+            <a:off x="434915" y="1659891"/>
             <a:ext cx="10918903" cy="4663007"/>
           </a:xfrm>
         </p:spPr>
@@ -5275,13 +5349,23 @@
     </p:spTree>
     <p:extLst>
       <p:ext uri="{BB962C8B-B14F-4D97-AF65-F5344CB8AC3E}">
-        <p14:creationId xmlns:p14="http://schemas.microsoft.com/office/powerpoint/2010/main" xmlns="" val="4028714361"/>
+        <p14:creationId xmlns="" xmlns:p14="http://schemas.microsoft.com/office/powerpoint/2010/main" val="4028714361"/>
       </p:ext>
     </p:extLst>
   </p:cSld>
   <p:clrMapOvr>
     <a:masterClrMapping/>
   </p:clrMapOvr>
+  <p:transition>
+    <p:blinds dir="vert"/>
+  </p:transition>
+  <p:timing>
+    <p:tnLst>
+      <p:par>
+        <p:cTn id="1" dur="indefinite" restart="never" nodeType="tmRoot"/>
+      </p:par>
+    </p:tnLst>
+  </p:timing>
 </p:sld>
 </file>
 
@@ -5314,7 +5398,7 @@
         </p:nvSpPr>
         <p:spPr>
           <a:xfrm>
-            <a:off x="838200" y="10799"/>
+            <a:off x="838202" y="10800"/>
             <a:ext cx="10515600" cy="956945"/>
           </a:xfrm>
         </p:spPr>
@@ -5344,7 +5428,7 @@
         </p:nvSpPr>
         <p:spPr>
           <a:xfrm>
-            <a:off x="820947" y="799258"/>
+            <a:off x="820948" y="799259"/>
             <a:ext cx="10515600" cy="5526173"/>
           </a:xfrm>
         </p:spPr>
@@ -5419,14 +5503,7 @@
                 <a:latin typeface="Times New Roman" pitchFamily="18" charset="0"/>
                 <a:cs typeface="Times New Roman" pitchFamily="18" charset="0"/>
               </a:rPr>
-              <a:t>V</a:t>
-            </a:r>
-            <a:r>
-              <a:rPr lang="en-US" sz="2400" dirty="0" smtClean="0">
-                <a:latin typeface="Times New Roman" pitchFamily="18" charset="0"/>
-                <a:cs typeface="Times New Roman" pitchFamily="18" charset="0"/>
-              </a:rPr>
-              <a:t>ision and mission</a:t>
+              <a:t>Vision and mission</a:t>
             </a:r>
             <a:endParaRPr lang="en-US" sz="2400" dirty="0">
               <a:latin typeface="Times New Roman" pitchFamily="18" charset="0"/>
@@ -5476,6 +5553,16 @@
   <p:clrMapOvr>
     <a:masterClrMapping/>
   </p:clrMapOvr>
+  <p:transition>
+    <p:checker dir="vert"/>
+  </p:transition>
+  <p:timing>
+    <p:tnLst>
+      <p:par>
+        <p:cTn id="1" dur="indefinite" restart="never" nodeType="tmRoot"/>
+      </p:par>
+    </p:tnLst>
+  </p:timing>
 </p:sld>
 </file>
 
@@ -5508,7 +5595,7 @@
         </p:nvSpPr>
         <p:spPr>
           <a:xfrm>
-            <a:off x="838200" y="10799"/>
+            <a:off x="838202" y="10800"/>
             <a:ext cx="10515600" cy="956945"/>
           </a:xfrm>
         </p:spPr>
@@ -5538,7 +5625,7 @@
         </p:nvSpPr>
         <p:spPr>
           <a:xfrm>
-            <a:off x="820947" y="799258"/>
+            <a:off x="820948" y="799259"/>
             <a:ext cx="10515600" cy="5526173"/>
           </a:xfrm>
         </p:spPr>
@@ -5685,6 +5772,16 @@
   <p:clrMapOvr>
     <a:masterClrMapping/>
   </p:clrMapOvr>
+  <p:transition>
+    <p:checker/>
+  </p:transition>
+  <p:timing>
+    <p:tnLst>
+      <p:par>
+        <p:cTn id="1" dur="indefinite" restart="never" nodeType="tmRoot"/>
+      </p:par>
+    </p:tnLst>
+  </p:timing>
 </p:sld>
 </file>
 
@@ -5717,7 +5814,7 @@
         </p:nvSpPr>
         <p:spPr>
           <a:xfrm>
-            <a:off x="838200" y="128905"/>
+            <a:off x="838202" y="128905"/>
             <a:ext cx="10515600" cy="795020"/>
           </a:xfrm>
         </p:spPr>
@@ -5747,7 +5844,7 @@
         </p:nvSpPr>
         <p:spPr>
           <a:xfrm>
-            <a:off x="874179" y="870705"/>
+            <a:off x="874180" y="870705"/>
             <a:ext cx="10515600" cy="5477029"/>
           </a:xfrm>
         </p:spPr>
@@ -5872,7 +5969,7 @@
           <a:blip r:embed="rId2">
             <a:extLst>
               <a:ext uri="{28A0092B-C50C-407E-A947-70E740481C1C}">
-                <a14:useLocalDpi xmlns:a14="http://schemas.microsoft.com/office/drawing/2010/main" xmlns="" val="0"/>
+                <a14:useLocalDpi xmlns="" xmlns:a14="http://schemas.microsoft.com/office/drawing/2010/main" val="0"/>
               </a:ext>
             </a:extLst>
           </a:blip>
@@ -5882,7 +5979,7 @@
         </p:blipFill>
         <p:spPr>
           <a:xfrm>
-            <a:off x="1961563" y="3268221"/>
+            <a:off x="1961564" y="3268222"/>
             <a:ext cx="7803052" cy="2865183"/>
           </a:xfrm>
           <a:prstGeom prst="rect">
@@ -5895,6 +5992,16 @@
   <p:clrMapOvr>
     <a:masterClrMapping/>
   </p:clrMapOvr>
+  <p:transition>
+    <p:wipe dir="r"/>
+  </p:transition>
+  <p:timing>
+    <p:tnLst>
+      <p:par>
+        <p:cTn id="1" dur="indefinite" restart="never" nodeType="tmRoot"/>
+      </p:par>
+    </p:tnLst>
+  </p:timing>
 </p:sld>
 </file>
 
@@ -5927,7 +6034,7 @@
         </p:nvSpPr>
         <p:spPr>
           <a:xfrm>
-            <a:off x="838200" y="128905"/>
+            <a:off x="838202" y="128905"/>
             <a:ext cx="10515600" cy="795020"/>
           </a:xfrm>
         </p:spPr>
@@ -6107,6 +6214,16 @@
   <p:clrMapOvr>
     <a:masterClrMapping/>
   </p:clrMapOvr>
+  <p:transition>
+    <p:wipe/>
+  </p:transition>
+  <p:timing>
+    <p:tnLst>
+      <p:par>
+        <p:cTn id="1" dur="indefinite" restart="never" nodeType="tmRoot"/>
+      </p:par>
+    </p:tnLst>
+  </p:timing>
 </p:sld>
 </file>
 
@@ -6139,7 +6256,7 @@
         </p:nvSpPr>
         <p:spPr>
           <a:xfrm>
-            <a:off x="838200" y="128905"/>
+            <a:off x="838202" y="128905"/>
             <a:ext cx="10515600" cy="795020"/>
           </a:xfrm>
         </p:spPr>
@@ -6169,7 +6286,7 @@
         </p:nvSpPr>
         <p:spPr>
           <a:xfrm>
-            <a:off x="829573" y="898049"/>
+            <a:off x="829574" y="898049"/>
             <a:ext cx="10515600" cy="5128895"/>
           </a:xfrm>
         </p:spPr>
@@ -6238,10 +6355,6 @@
               </a:rPr>
               <a:t>ry.</a:t>
             </a:r>
-            <a:endParaRPr lang="en-US" sz="2400" dirty="0" smtClean="0">
-              <a:latin typeface="Times New Roman" pitchFamily="18" charset="0"/>
-              <a:cs typeface="Times New Roman" pitchFamily="18" charset="0"/>
-            </a:endParaRPr>
           </a:p>
         </p:txBody>
       </p:sp>
@@ -6250,6 +6363,16 @@
   <p:clrMapOvr>
     <a:masterClrMapping/>
   </p:clrMapOvr>
+  <p:transition>
+    <p:wipe dir="d"/>
+  </p:transition>
+  <p:timing>
+    <p:tnLst>
+      <p:par>
+        <p:cTn id="1" dur="indefinite" restart="never" nodeType="tmRoot"/>
+      </p:par>
+    </p:tnLst>
+  </p:timing>
 </p:sld>
 </file>
 
@@ -6282,7 +6405,7 @@
         </p:nvSpPr>
         <p:spPr>
           <a:xfrm>
-            <a:off x="838200" y="128905"/>
+            <a:off x="838202" y="128905"/>
             <a:ext cx="10515600" cy="795020"/>
           </a:xfrm>
         </p:spPr>
@@ -6312,8 +6435,8 @@
         </p:nvSpPr>
         <p:spPr>
           <a:xfrm>
-            <a:off x="569343" y="810888"/>
-            <a:ext cx="11171208" cy="5241937"/>
+            <a:off x="569343" y="810889"/>
+            <a:ext cx="11171209" cy="5241937"/>
           </a:xfrm>
         </p:spPr>
         <p:txBody>
@@ -6360,8 +6483,8 @@
         </p:nvSpPr>
         <p:spPr>
           <a:xfrm>
-            <a:off x="569359" y="1457864"/>
-            <a:ext cx="11024559" cy="4496887"/>
+            <a:off x="569360" y="1457864"/>
+            <a:ext cx="11024558" cy="4496887"/>
           </a:xfrm>
         </p:spPr>
         <p:txBody>
@@ -6450,8 +6573,8 @@
         </p:blipFill>
         <p:spPr>
           <a:xfrm>
-            <a:off x="2984740" y="3852980"/>
-            <a:ext cx="5884653" cy="2021633"/>
+            <a:off x="2984742" y="3852980"/>
+            <a:ext cx="5884652" cy="2021633"/>
           </a:xfrm>
           <a:prstGeom prst="rect">
             <a:avLst/>
@@ -6463,6 +6586,16 @@
   <p:clrMapOvr>
     <a:masterClrMapping/>
   </p:clrMapOvr>
+  <p:transition>
+    <p:wipe dir="u"/>
+  </p:transition>
+  <p:timing>
+    <p:tnLst>
+      <p:par>
+        <p:cTn id="1" dur="indefinite" restart="never" nodeType="tmRoot"/>
+      </p:par>
+    </p:tnLst>
+  </p:timing>
 </p:sld>
 </file>
 
@@ -6495,7 +6628,7 @@
         </p:nvSpPr>
         <p:spPr>
           <a:xfrm>
-            <a:off x="838200" y="128905"/>
+            <a:off x="838202" y="128905"/>
             <a:ext cx="10515600" cy="795020"/>
           </a:xfrm>
         </p:spPr>
@@ -6525,7 +6658,7 @@
         </p:nvSpPr>
         <p:spPr>
           <a:xfrm>
-            <a:off x="569344" y="802280"/>
+            <a:off x="569345" y="802281"/>
             <a:ext cx="11274725" cy="5241937"/>
           </a:xfrm>
         </p:spPr>
@@ -6601,8 +6734,8 @@
         </p:blipFill>
         <p:spPr>
           <a:xfrm>
-            <a:off x="2941608" y="2866486"/>
-            <a:ext cx="6030349" cy="2292110"/>
+            <a:off x="2941610" y="2866486"/>
+            <a:ext cx="6030348" cy="2292110"/>
           </a:xfrm>
           <a:prstGeom prst="rect">
             <a:avLst/>
@@ -6612,13 +6745,23 @@
     </p:spTree>
     <p:extLst>
       <p:ext uri="{BB962C8B-B14F-4D97-AF65-F5344CB8AC3E}">
-        <p14:creationId xmlns:p14="http://schemas.microsoft.com/office/powerpoint/2010/main" xmlns="" val="1809605855"/>
+        <p14:creationId xmlns="" xmlns:p14="http://schemas.microsoft.com/office/powerpoint/2010/main" val="1809605855"/>
       </p:ext>
     </p:extLst>
   </p:cSld>
   <p:clrMapOvr>
     <a:masterClrMapping/>
   </p:clrMapOvr>
+  <p:transition>
+    <p:split orient="vert" dir="in"/>
+  </p:transition>
+  <p:timing>
+    <p:tnLst>
+      <p:par>
+        <p:cTn id="1" dur="indefinite" restart="never" nodeType="tmRoot"/>
+      </p:par>
+    </p:tnLst>
+  </p:timing>
 </p:sld>
 </file>
 
@@ -6651,7 +6794,7 @@
         </p:nvSpPr>
         <p:spPr>
           <a:xfrm>
-            <a:off x="838200" y="128905"/>
+            <a:off x="838202" y="128905"/>
             <a:ext cx="10515600" cy="795020"/>
           </a:xfrm>
         </p:spPr>
@@ -6681,7 +6824,7 @@
         </p:nvSpPr>
         <p:spPr>
           <a:xfrm>
-            <a:off x="838200" y="923927"/>
+            <a:off x="838202" y="923928"/>
             <a:ext cx="10515600" cy="5128895"/>
           </a:xfrm>
         </p:spPr>
@@ -6728,8 +6871,8 @@
         </p:nvSpPr>
         <p:spPr>
           <a:xfrm>
-            <a:off x="483080" y="793630"/>
-            <a:ext cx="11076317" cy="5540418"/>
+            <a:off x="483081" y="793630"/>
+            <a:ext cx="11076316" cy="5540418"/>
           </a:xfrm>
         </p:spPr>
         <p:txBody>
@@ -6795,7 +6938,7 @@
         </p:blipFill>
         <p:spPr>
           <a:xfrm>
-            <a:off x="2578563" y="3255483"/>
+            <a:off x="2578563" y="3255484"/>
             <a:ext cx="6298020" cy="2265447"/>
           </a:xfrm>
           <a:prstGeom prst="rect">
@@ -6808,6 +6951,16 @@
   <p:clrMapOvr>
     <a:masterClrMapping/>
   </p:clrMapOvr>
+  <p:transition>
+    <p:comb dir="vert"/>
+  </p:transition>
+  <p:timing>
+    <p:tnLst>
+      <p:par>
+        <p:cTn id="1" dur="indefinite" restart="never" nodeType="tmRoot"/>
+      </p:par>
+    </p:tnLst>
+  </p:timing>
 </p:sld>
 </file>
 
@@ -7394,7 +7547,7 @@
   <a:extraClrSchemeLst/>
   <a:extLst>
     <a:ext uri="{05A4C25C-085E-4340-85A3-A5531E510DB2}">
-      <thm15:themeFamily xmlns:thm15="http://schemas.microsoft.com/office/thememl/2012/main" xmlns="" name="Office Theme" id="{62F939B6-93AF-4DB8-9C6B-D6C7DFDC589F}" vid="{4A3C46E8-61CC-4603-A589-7422A47A8E4A}"/>
+      <thm15:themeFamily xmlns="" xmlns:thm15="http://schemas.microsoft.com/office/thememl/2012/main" name="Office Theme" id="{62F939B6-93AF-4DB8-9C6B-D6C7DFDC589F}" vid="{4A3C46E8-61CC-4603-A589-7422A47A8E4A}"/>
     </a:ext>
   </a:extLst>
 </a:theme>
